--- a/Diploma/presentation/Presentation.pptx
+++ b/Diploma/presentation/Presentation.pptx
@@ -3904,47 +3904,23 @@
               <a:defRPr/>
             </a:pPr>
             <a:r>
-              <a:rPr lang="ru-RU" sz="1800" b="1" dirty="0">
+              <a:rPr lang="ru-RU" sz="1800" b="0" dirty="0">
                 <a:effectLst/>
                 <a:latin typeface="Times New Roman" panose="02020603050405020304" pitchFamily="18" charset="0"/>
                 <a:ea typeface="Times New Roman" panose="02020603050405020304" pitchFamily="18" charset="0"/>
               </a:rPr>
-              <a:t>Graphics Library Framework</a:t>
-            </a:r>
-            <a:r>
-              <a:rPr lang="ru-RU" sz="1800" dirty="0">
+              <a:t>Graphics Library Framework представляет собой библиотеку, написанную на языке программирования C, предназначенную для обеспечения OpenGL необходимыми </a:t>
+            </a:r>
+            <a:r>
+              <a:rPr lang="ru-RU" sz="1800" b="0" dirty="0" err="1">
                 <a:effectLst/>
                 <a:latin typeface="Times New Roman" panose="02020603050405020304" pitchFamily="18" charset="0"/>
                 <a:ea typeface="Times New Roman" panose="02020603050405020304" pitchFamily="18" charset="0"/>
               </a:rPr>
-              <a:t> представляет собой библиотеку, написанную на языке программирования C, предназначенную для обеспечения </a:t>
-            </a:r>
-            <a:r>
-              <a:rPr lang="ru-RU" sz="1800" b="1" dirty="0">
-                <a:effectLst/>
-                <a:latin typeface="Times New Roman" panose="02020603050405020304" pitchFamily="18" charset="0"/>
-                <a:ea typeface="Times New Roman" panose="02020603050405020304" pitchFamily="18" charset="0"/>
-              </a:rPr>
-              <a:t>OpenGL</a:t>
-            </a:r>
-            <a:r>
-              <a:rPr lang="ru-RU" sz="1800" dirty="0">
-                <a:effectLst/>
-                <a:latin typeface="Times New Roman" panose="02020603050405020304" pitchFamily="18" charset="0"/>
-                <a:ea typeface="Times New Roman" panose="02020603050405020304" pitchFamily="18" charset="0"/>
-              </a:rPr>
-              <a:t> необходимыми </a:t>
-            </a:r>
-            <a:r>
-              <a:rPr lang="ru-RU" sz="1800" dirty="0" err="1">
-                <a:effectLst/>
-                <a:latin typeface="Times New Roman" panose="02020603050405020304" pitchFamily="18" charset="0"/>
-                <a:ea typeface="Times New Roman" panose="02020603050405020304" pitchFamily="18" charset="0"/>
-              </a:rPr>
               <a:t>функциональностями</a:t>
             </a:r>
             <a:r>
-              <a:rPr lang="ru-RU" sz="1800" dirty="0">
+              <a:rPr lang="ru-RU" sz="1800" b="0" dirty="0">
                 <a:effectLst/>
                 <a:latin typeface="Times New Roman" panose="02020603050405020304" pitchFamily="18" charset="0"/>
                 <a:ea typeface="Times New Roman" panose="02020603050405020304" pitchFamily="18" charset="0"/>
@@ -3971,7 +3947,7 @@
               <a:defRPr/>
             </a:pPr>
             <a:r>
-              <a:rPr lang="ru-RU" sz="1800" dirty="0">
+              <a:rPr lang="ru-RU" sz="1800" b="0" dirty="0">
                 <a:effectLst/>
                 <a:latin typeface="Times New Roman" panose="02020603050405020304" pitchFamily="18" charset="0"/>
                 <a:ea typeface="Times New Roman" panose="02020603050405020304" pitchFamily="18" charset="0"/>
@@ -3998,7 +3974,7 @@
               <a:defRPr/>
             </a:pPr>
             <a:r>
-              <a:rPr lang="ru-RU" sz="1800" dirty="0">
+              <a:rPr lang="ru-RU" sz="1800" b="0" dirty="0">
                 <a:effectLst/>
                 <a:latin typeface="Times New Roman" panose="02020603050405020304" pitchFamily="18" charset="0"/>
                 <a:ea typeface="Times New Roman" panose="02020603050405020304" pitchFamily="18" charset="0"/>
@@ -4007,7 +3983,7 @@
             </a:r>
           </a:p>
           <a:p>
-            <a:endParaRPr lang="ru-RU" dirty="0"/>
+            <a:endParaRPr lang="ru-RU" b="0" dirty="0"/>
           </a:p>
         </p:txBody>
       </p:sp>

--- a/Diploma/presentation/Presentation.pptx
+++ b/Diploma/presentation/Presentation.pptx
@@ -24,7 +24,7 @@
     <p:sldId id="283" r:id="rId15"/>
     <p:sldId id="290" r:id="rId16"/>
     <p:sldId id="286" r:id="rId17"/>
-    <p:sldId id="274" r:id="rId18"/>
+    <p:sldId id="293" r:id="rId18"/>
   </p:sldIdLst>
   <p:sldSz cx="4610100" cy="3460750"/>
   <p:notesSz cx="4610100" cy="3460750"/>
@@ -2625,6 +2625,227 @@
     <p:extLst>
       <p:ext uri="{BB962C8B-B14F-4D97-AF65-F5344CB8AC3E}">
         <p14:creationId xmlns:p14="http://schemas.microsoft.com/office/powerpoint/2010/main" val="399379893"/>
+      </p:ext>
+    </p:extLst>
+  </p:cSld>
+  <p:clrMapOvr>
+    <a:masterClrMapping/>
+  </p:clrMapOvr>
+</p:notes>
+</file>
+
+<file path=ppt/notesSlides/notesSlide16.xml><?xml version="1.0" encoding="utf-8"?>
+<p:notes xmlns:a="http://schemas.openxmlformats.org/drawingml/2006/main" xmlns:r="http://schemas.openxmlformats.org/officeDocument/2006/relationships" xmlns:p="http://schemas.openxmlformats.org/presentationml/2006/main">
+  <p:cSld>
+    <p:spTree>
+      <p:nvGrpSpPr>
+        <p:cNvPr id="1" name=""/>
+        <p:cNvGrpSpPr/>
+        <p:nvPr/>
+      </p:nvGrpSpPr>
+      <p:grpSpPr>
+        <a:xfrm>
+          <a:off x="0" y="0"/>
+          <a:ext cx="0" cy="0"/>
+          <a:chOff x="0" y="0"/>
+          <a:chExt cx="0" cy="0"/>
+        </a:xfrm>
+      </p:grpSpPr>
+      <p:sp>
+        <p:nvSpPr>
+          <p:cNvPr id="2" name="Образ слайда 1"/>
+          <p:cNvSpPr>
+            <a:spLocks noGrp="1" noRot="1" noChangeAspect="1"/>
+          </p:cNvSpPr>
+          <p:nvPr>
+            <p:ph type="sldImg"/>
+          </p:nvPr>
+        </p:nvSpPr>
+        <p:spPr/>
+      </p:sp>
+      <p:sp>
+        <p:nvSpPr>
+          <p:cNvPr id="3" name="Заметки 2"/>
+          <p:cNvSpPr>
+            <a:spLocks noGrp="1"/>
+          </p:cNvSpPr>
+          <p:nvPr>
+            <p:ph type="body" idx="1"/>
+          </p:nvPr>
+        </p:nvSpPr>
+        <p:spPr/>
+        <p:txBody>
+          <a:bodyPr/>
+          <a:lstStyle/>
+          <a:p>
+            <a:pPr marL="0" marR="0" lvl="0" indent="0" algn="l" defTabSz="914400" rtl="0" eaLnBrk="1" fontAlgn="auto" latinLnBrk="0" hangingPunct="1">
+              <a:lnSpc>
+                <a:spcPct val="100000"/>
+              </a:lnSpc>
+              <a:spcBef>
+                <a:spcPts val="0"/>
+              </a:spcBef>
+              <a:spcAft>
+                <a:spcPts val="0"/>
+              </a:spcAft>
+              <a:buClrTx/>
+              <a:buSzTx/>
+              <a:buFontTx/>
+              <a:buNone/>
+              <a:tabLst/>
+              <a:defRPr/>
+            </a:pPr>
+            <a:r>
+              <a:rPr lang="ru-RU" sz="1800" dirty="0">
+                <a:effectLst/>
+                <a:latin typeface="Times New Roman" panose="02020603050405020304" pitchFamily="18" charset="0"/>
+                <a:ea typeface="Calibri" panose="020F0502020204030204" pitchFamily="34" charset="0"/>
+                <a:cs typeface="Times New Roman" panose="02020603050405020304" pitchFamily="18" charset="0"/>
+              </a:rPr>
+              <a:t>На слайде представлен конечный результат разработки графического программного обеспечения для визуализации трехмерных объектов.</a:t>
+            </a:r>
+          </a:p>
+          <a:p>
+            <a:pPr marL="0" marR="0" lvl="0" indent="0" algn="l" defTabSz="914400" rtl="0" eaLnBrk="1" fontAlgn="auto" latinLnBrk="0" hangingPunct="1">
+              <a:lnSpc>
+                <a:spcPct val="100000"/>
+              </a:lnSpc>
+              <a:spcBef>
+                <a:spcPts val="0"/>
+              </a:spcBef>
+              <a:spcAft>
+                <a:spcPts val="0"/>
+              </a:spcAft>
+              <a:buClrTx/>
+              <a:buSzTx/>
+              <a:buFontTx/>
+              <a:buNone/>
+              <a:tabLst/>
+              <a:defRPr/>
+            </a:pPr>
+            <a:endParaRPr lang="ru-RU" sz="1800" dirty="0">
+              <a:effectLst/>
+              <a:latin typeface="Times New Roman" panose="02020603050405020304" pitchFamily="18" charset="0"/>
+              <a:ea typeface="Calibri" panose="020F0502020204030204" pitchFamily="34" charset="0"/>
+              <a:cs typeface="Times New Roman" panose="02020603050405020304" pitchFamily="18" charset="0"/>
+            </a:endParaRPr>
+          </a:p>
+          <a:p>
+            <a:pPr marL="0" marR="0" lvl="0" indent="0" algn="l" defTabSz="914400" rtl="0" eaLnBrk="1" fontAlgn="auto" latinLnBrk="0" hangingPunct="1">
+              <a:lnSpc>
+                <a:spcPct val="100000"/>
+              </a:lnSpc>
+              <a:spcBef>
+                <a:spcPts val="0"/>
+              </a:spcBef>
+              <a:spcAft>
+                <a:spcPts val="0"/>
+              </a:spcAft>
+              <a:buClrTx/>
+              <a:buSzTx/>
+              <a:buFontTx/>
+              <a:buNone/>
+              <a:tabLst/>
+              <a:defRPr/>
+            </a:pPr>
+            <a:r>
+              <a:rPr lang="ru-RU" sz="1800" dirty="0">
+                <a:effectLst/>
+                <a:latin typeface="Times New Roman" panose="02020603050405020304" pitchFamily="18" charset="0"/>
+                <a:ea typeface="Calibri" panose="020F0502020204030204" pitchFamily="34" charset="0"/>
+                <a:cs typeface="Times New Roman" panose="02020603050405020304" pitchFamily="18" charset="0"/>
+              </a:rPr>
+              <a:t>В ходе выполнения данной работы были достигнуты все поставленные цели и задачи. </a:t>
+            </a:r>
+          </a:p>
+          <a:p>
+            <a:pPr marL="0" marR="0" lvl="0" indent="0" algn="l" defTabSz="914400" rtl="0" eaLnBrk="1" fontAlgn="auto" latinLnBrk="0" hangingPunct="1">
+              <a:lnSpc>
+                <a:spcPct val="100000"/>
+              </a:lnSpc>
+              <a:spcBef>
+                <a:spcPts val="0"/>
+              </a:spcBef>
+              <a:spcAft>
+                <a:spcPts val="0"/>
+              </a:spcAft>
+              <a:buClrTx/>
+              <a:buSzTx/>
+              <a:buFontTx/>
+              <a:buNone/>
+              <a:tabLst/>
+              <a:defRPr/>
+            </a:pPr>
+            <a:r>
+              <a:rPr lang="ru-RU" sz="1800" dirty="0">
+                <a:effectLst/>
+                <a:latin typeface="Times New Roman" panose="02020603050405020304" pitchFamily="18" charset="0"/>
+                <a:ea typeface="Calibri" panose="020F0502020204030204" pitchFamily="34" charset="0"/>
+                <a:cs typeface="Times New Roman" panose="02020603050405020304" pitchFamily="18" charset="0"/>
+              </a:rPr>
+              <a:t>В результате было создано эффективное и гибкое графическое программное обеспечение для визуализации трехмерных объектов на базе библиотеки OpenGL и языка программирования C++. </a:t>
+            </a:r>
+          </a:p>
+          <a:p>
+            <a:pPr marL="0" marR="0" lvl="0" indent="0" algn="l" defTabSz="914400" rtl="0" eaLnBrk="1" fontAlgn="auto" latinLnBrk="0" hangingPunct="1">
+              <a:lnSpc>
+                <a:spcPct val="100000"/>
+              </a:lnSpc>
+              <a:spcBef>
+                <a:spcPts val="0"/>
+              </a:spcBef>
+              <a:spcAft>
+                <a:spcPts val="0"/>
+              </a:spcAft>
+              <a:buClrTx/>
+              <a:buSzTx/>
+              <a:buFontTx/>
+              <a:buNone/>
+              <a:tabLst/>
+              <a:defRPr/>
+            </a:pPr>
+            <a:r>
+              <a:rPr lang="ru-RU" sz="1800" dirty="0">
+                <a:effectLst/>
+                <a:latin typeface="Times New Roman" panose="02020603050405020304" pitchFamily="18" charset="0"/>
+                <a:ea typeface="Calibri" panose="020F0502020204030204" pitchFamily="34" charset="0"/>
+                <a:cs typeface="Times New Roman" panose="02020603050405020304" pitchFamily="18" charset="0"/>
+              </a:rPr>
+              <a:t>Результаты данной работы имеют высокую практическую значимость и могут быть успешно применены в различных сферах, требующих визуализации трехмерных объектов. </a:t>
+            </a:r>
+          </a:p>
+          <a:p>
+            <a:endParaRPr lang="ru-RU" dirty="0"/>
+          </a:p>
+        </p:txBody>
+      </p:sp>
+      <p:sp>
+        <p:nvSpPr>
+          <p:cNvPr id="4" name="Номер слайда 3"/>
+          <p:cNvSpPr>
+            <a:spLocks noGrp="1"/>
+          </p:cNvSpPr>
+          <p:nvPr>
+            <p:ph type="sldNum" sz="quarter" idx="5"/>
+          </p:nvPr>
+        </p:nvSpPr>
+        <p:spPr/>
+        <p:txBody>
+          <a:bodyPr/>
+          <a:lstStyle/>
+          <a:p>
+            <a:fld id="{8FD44BF8-F11D-4543-936C-9F5A87714993}" type="slidenum">
+              <a:rPr lang="ru-RU" smtClean="0"/>
+              <a:t>17</a:t>
+            </a:fld>
+            <a:endParaRPr lang="ru-RU"/>
+          </a:p>
+        </p:txBody>
+      </p:sp>
+    </p:spTree>
+    <p:extLst>
+      <p:ext uri="{BB962C8B-B14F-4D97-AF65-F5344CB8AC3E}">
+        <p14:creationId xmlns:p14="http://schemas.microsoft.com/office/powerpoint/2010/main" val="70510514"/>
       </p:ext>
     </p:extLst>
   </p:cSld>
@@ -8463,7 +8684,7 @@
         </p:nvSpPr>
         <p:spPr>
           <a:xfrm>
-            <a:off x="196934" y="2841481"/>
+            <a:off x="273135" y="2784145"/>
             <a:ext cx="1117515" cy="307746"/>
           </a:xfrm>
           <a:prstGeom prst="rect">
@@ -8839,7 +9060,7 @@
         </p:nvSpPr>
         <p:spPr>
           <a:xfrm>
-            <a:off x="1314449" y="2841481"/>
+            <a:off x="1390650" y="2764857"/>
             <a:ext cx="1219202" cy="430857"/>
           </a:xfrm>
           <a:prstGeom prst="rect">
@@ -9276,7 +9497,7 @@
         </p:nvSpPr>
         <p:spPr>
           <a:xfrm>
-            <a:off x="2533651" y="2837071"/>
+            <a:off x="2720342" y="2782747"/>
             <a:ext cx="1752598" cy="307746"/>
           </a:xfrm>
           <a:prstGeom prst="rect">
@@ -10575,7 +10796,7 @@
         </p:blipFill>
         <p:spPr>
           <a:xfrm>
-            <a:off x="2751593" y="1794913"/>
+            <a:off x="2865303" y="1794205"/>
             <a:ext cx="1505703" cy="1186539"/>
           </a:xfrm>
           <a:prstGeom prst="rect">
@@ -10597,7 +10818,7 @@
         </p:nvSpPr>
         <p:spPr>
           <a:xfrm>
-            <a:off x="2751594" y="2983657"/>
+            <a:off x="2865304" y="2982949"/>
             <a:ext cx="1505703" cy="307746"/>
           </a:xfrm>
           <a:prstGeom prst="rect">
@@ -11069,7 +11290,7 @@
         </p:nvSpPr>
         <p:spPr>
           <a:xfrm>
-            <a:off x="94171" y="2983657"/>
+            <a:off x="145553" y="2983657"/>
             <a:ext cx="2574198" cy="307746"/>
           </a:xfrm>
           <a:prstGeom prst="rect">
@@ -11898,7 +12119,7 @@
         </p:blipFill>
         <p:spPr bwMode="auto">
           <a:xfrm>
-            <a:off x="242702" y="2378931"/>
+            <a:off x="323850" y="2176705"/>
             <a:ext cx="2258030" cy="609785"/>
           </a:xfrm>
           <a:prstGeom prst="rect">
@@ -11932,7 +12153,7 @@
         </p:blipFill>
         <p:spPr>
           <a:xfrm>
-            <a:off x="2852158" y="1962899"/>
+            <a:off x="2914650" y="1955612"/>
             <a:ext cx="1304576" cy="1028045"/>
           </a:xfrm>
           <a:prstGeom prst="rect">
@@ -11954,7 +12175,7 @@
         </p:nvSpPr>
         <p:spPr>
           <a:xfrm>
-            <a:off x="2856746" y="2983657"/>
+            <a:off x="2919238" y="2976370"/>
             <a:ext cx="1299988" cy="307746"/>
           </a:xfrm>
           <a:prstGeom prst="rect">
@@ -12011,7 +12232,7 @@
         </p:nvSpPr>
         <p:spPr>
           <a:xfrm>
-            <a:off x="236625" y="2983657"/>
+            <a:off x="317773" y="2781431"/>
             <a:ext cx="2258030" cy="307746"/>
           </a:xfrm>
           <a:prstGeom prst="rect">
@@ -13246,7 +13467,7 @@
                 <a:latin typeface="Fira Sans Condensed" panose="020B0503050000020004" pitchFamily="34" charset="0"/>
                 <a:cs typeface="Times New Roman" panose="02020603050405020304" pitchFamily="18" charset="0"/>
               </a:rPr>
-              <a:t>Интерфейс</a:t>
+              <a:t>Компоненты интерфейса разработанной программы</a:t>
             </a:r>
           </a:p>
         </p:txBody>
@@ -13764,11 +13985,18 @@
               <a:t> | </a:t>
             </a:r>
             <a:r>
+              <a:rPr lang="ru-RU" sz="800" spc="-40" dirty="0">
+                <a:latin typeface="Fira Sans Condensed" panose="020B0503050000020004" pitchFamily="34" charset="0"/>
+                <a:cs typeface="Times New Roman" panose="02020603050405020304" pitchFamily="18" charset="0"/>
+              </a:rPr>
+              <a:t>Компоненты интерфейса</a:t>
+            </a:r>
+            <a:r>
               <a:rPr lang="ru-RU" sz="800" dirty="0">
                 <a:latin typeface="Fira Sans Condensed" panose="020B0503050000020004" pitchFamily="34" charset="0"/>
                 <a:cs typeface="Times New Roman" panose="02020603050405020304" pitchFamily="18" charset="0"/>
               </a:rPr>
-              <a:t>Графический и программный интерфейс </a:t>
+              <a:t> </a:t>
             </a:r>
             <a:r>
               <a:rPr lang="en-US" sz="800" dirty="0">
@@ -14908,7 +15136,7 @@
                 <a:latin typeface="Fira Sans Condensed" panose="020B0503050000020004" pitchFamily="34" charset="0"/>
                 <a:cs typeface="Times New Roman" panose="02020603050405020304" pitchFamily="18" charset="0"/>
               </a:rPr>
-              <a:t>Заключение</a:t>
+              <a:t>Результат разработки</a:t>
             </a:r>
             <a:endParaRPr lang="ru-RU" sz="1200" kern="0" spc="-40" dirty="0">
               <a:latin typeface="Fira Sans Condensed" panose="020B0503050000020004" pitchFamily="34" charset="0"/>
@@ -15004,7 +15232,7 @@
         </p:nvSpPr>
         <p:spPr>
           <a:xfrm>
-            <a:off x="579021" y="3003110"/>
+            <a:off x="664748" y="2967747"/>
             <a:ext cx="3452053" cy="307746"/>
           </a:xfrm>
           <a:prstGeom prst="rect">
@@ -15035,7 +15263,7 @@
                 <a:latin typeface="Fira Sans Condensed" panose="020B0503050000020004" pitchFamily="34" charset="0"/>
                 <a:cs typeface="Times New Roman" panose="02020603050405020304" pitchFamily="18" charset="0"/>
               </a:rPr>
-              <a:t>Графическое ПО</a:t>
+              <a:t>Разработанное программное обеспечение</a:t>
             </a:r>
             <a:endParaRPr lang="ru-RU" sz="800" dirty="0">
               <a:solidFill>
@@ -15275,7 +15503,7 @@
         </p:blipFill>
         <p:spPr>
           <a:xfrm>
-            <a:off x="619122" y="826238"/>
+            <a:off x="704850" y="818052"/>
             <a:ext cx="3371850" cy="2172128"/>
           </a:xfrm>
           <a:prstGeom prst="rect">
@@ -15300,7 +15528,7 @@
 </file>
 
 <file path=ppt/slides/slide17.xml><?xml version="1.0" encoding="utf-8"?>
-<p:sld xmlns:a="http://schemas.openxmlformats.org/drawingml/2006/main" xmlns:r="http://schemas.openxmlformats.org/officeDocument/2006/relationships" xmlns:p="http://schemas.openxmlformats.org/presentationml/2006/main">
+<p:sld xmlns:a="http://schemas.openxmlformats.org/drawingml/2006/main" xmlns:r="http://schemas.openxmlformats.org/officeDocument/2006/relationships" xmlns:p="http://schemas.openxmlformats.org/presentationml/2006/main" showMasterSp="0">
   <p:cSld>
     <p:spTree>
       <p:nvGrpSpPr>
@@ -15316,249 +15544,12 @@
           <a:chExt cx="0" cy="0"/>
         </a:xfrm>
       </p:grpSpPr>
-      <p:grpSp>
-        <p:nvGrpSpPr>
-          <p:cNvPr id="2" name="object 2"/>
-          <p:cNvGrpSpPr/>
-          <p:nvPr/>
-        </p:nvGrpSpPr>
-        <p:grpSpPr>
-          <a:xfrm>
-            <a:off x="3697" y="4446"/>
-            <a:ext cx="4608003" cy="3456304"/>
-            <a:chOff x="0" y="0"/>
-            <a:chExt cx="4608003" cy="3456304"/>
-          </a:xfrm>
-        </p:grpSpPr>
-        <p:pic>
-          <p:nvPicPr>
-            <p:cNvPr id="3" name="object 3"/>
-            <p:cNvPicPr/>
-            <p:nvPr/>
-          </p:nvPicPr>
-          <p:blipFill>
-            <a:blip r:embed="rId2" cstate="print"/>
-            <a:stretch>
-              <a:fillRect/>
-            </a:stretch>
-          </p:blipFill>
-          <p:spPr>
-            <a:xfrm>
-              <a:off x="961199" y="0"/>
-              <a:ext cx="3646804" cy="3355895"/>
-            </a:xfrm>
-            <a:prstGeom prst="rect">
-              <a:avLst/>
-            </a:prstGeom>
-          </p:spPr>
-        </p:pic>
-        <p:pic>
-          <p:nvPicPr>
-            <p:cNvPr id="4" name="object 4"/>
-            <p:cNvPicPr/>
-            <p:nvPr/>
-          </p:nvPicPr>
-          <p:blipFill>
-            <a:blip r:embed="rId3" cstate="print"/>
-            <a:stretch>
-              <a:fillRect/>
-            </a:stretch>
-          </p:blipFill>
-          <p:spPr>
-            <a:xfrm>
-              <a:off x="3607942" y="2459321"/>
-              <a:ext cx="775736" cy="915054"/>
-            </a:xfrm>
-            <a:prstGeom prst="rect">
-              <a:avLst/>
-            </a:prstGeom>
-          </p:spPr>
-        </p:pic>
-        <p:sp>
-          <p:nvSpPr>
-            <p:cNvPr id="5" name="object 5"/>
-            <p:cNvSpPr/>
-            <p:nvPr/>
-          </p:nvSpPr>
-          <p:spPr>
-            <a:xfrm>
-              <a:off x="0" y="0"/>
-              <a:ext cx="3960495" cy="3456304"/>
-            </a:xfrm>
-            <a:custGeom>
-              <a:avLst/>
-              <a:gdLst/>
-              <a:ahLst/>
-              <a:cxnLst/>
-              <a:rect l="l" t="t" r="r" b="b"/>
-              <a:pathLst>
-                <a:path w="3960495" h="3456304">
-                  <a:moveTo>
-                    <a:pt x="3960049" y="0"/>
-                  </a:moveTo>
-                  <a:lnTo>
-                    <a:pt x="0" y="0"/>
-                  </a:lnTo>
-                  <a:lnTo>
-                    <a:pt x="0" y="3456046"/>
-                  </a:lnTo>
-                  <a:lnTo>
-                    <a:pt x="3240040" y="3456046"/>
-                  </a:lnTo>
-                  <a:lnTo>
-                    <a:pt x="3960049" y="0"/>
-                  </a:lnTo>
-                  <a:close/>
-                </a:path>
-              </a:pathLst>
-            </a:custGeom>
-            <a:solidFill>
-              <a:srgbClr val="FFFFFF"/>
-            </a:solidFill>
-          </p:spPr>
-          <p:txBody>
-            <a:bodyPr wrap="square" lIns="0" tIns="0" rIns="0" bIns="0" rtlCol="0"/>
-            <a:lstStyle/>
-            <a:p>
-              <a:endParaRPr/>
-            </a:p>
-          </p:txBody>
-        </p:sp>
-        <p:sp>
-          <p:nvSpPr>
-            <p:cNvPr id="6" name="object 6"/>
-            <p:cNvSpPr/>
-            <p:nvPr/>
-          </p:nvSpPr>
-          <p:spPr>
-            <a:xfrm>
-              <a:off x="3132037" y="0"/>
-              <a:ext cx="828040" cy="3456304"/>
-            </a:xfrm>
-            <a:custGeom>
-              <a:avLst/>
-              <a:gdLst/>
-              <a:ahLst/>
-              <a:cxnLst/>
-              <a:rect l="l" t="t" r="r" b="b"/>
-              <a:pathLst>
-                <a:path w="828039" h="3456304">
-                  <a:moveTo>
-                    <a:pt x="828011" y="0"/>
-                  </a:moveTo>
-                  <a:lnTo>
-                    <a:pt x="720008" y="0"/>
-                  </a:lnTo>
-                  <a:lnTo>
-                    <a:pt x="0" y="3456046"/>
-                  </a:lnTo>
-                  <a:lnTo>
-                    <a:pt x="108002" y="3456046"/>
-                  </a:lnTo>
-                  <a:lnTo>
-                    <a:pt x="828011" y="0"/>
-                  </a:lnTo>
-                  <a:close/>
-                </a:path>
-              </a:pathLst>
-            </a:custGeom>
-            <a:solidFill>
-              <a:srgbClr val="176CEA"/>
-            </a:solidFill>
-          </p:spPr>
-          <p:txBody>
-            <a:bodyPr wrap="square" lIns="0" tIns="0" rIns="0" bIns="0" rtlCol="0"/>
-            <a:lstStyle/>
-            <a:p>
-              <a:endParaRPr/>
-            </a:p>
-          </p:txBody>
-        </p:sp>
-      </p:grpSp>
       <p:sp>
         <p:nvSpPr>
-          <p:cNvPr id="12" name="TextBox 11">
+          <p:cNvPr id="121" name="Номер слайда 8">
             <a:extLst>
               <a:ext uri="{FF2B5EF4-FFF2-40B4-BE49-F238E27FC236}">
-                <a16:creationId xmlns:a16="http://schemas.microsoft.com/office/drawing/2014/main" id="{F245F9AD-D175-0F07-B4C8-47CD1BE2CD54}"/>
-              </a:ext>
-            </a:extLst>
-          </p:cNvPr>
-          <p:cNvSpPr txBox="1"/>
-          <p:nvPr/>
-        </p:nvSpPr>
-        <p:spPr>
-          <a:xfrm>
-            <a:off x="5925" y="188852"/>
-            <a:ext cx="3895725" cy="400110"/>
-          </a:xfrm>
-          <a:prstGeom prst="rect">
-            <a:avLst/>
-          </a:prstGeom>
-          <a:noFill/>
-        </p:spPr>
-        <p:txBody>
-          <a:bodyPr wrap="square">
-            <a:spAutoFit/>
-          </a:bodyPr>
-          <a:lstStyle/>
-          <a:p>
-            <a:pPr algn="ctr">
-              <a:lnSpc>
-                <a:spcPct val="100000"/>
-              </a:lnSpc>
-              <a:spcBef>
-                <a:spcPts val="95"/>
-              </a:spcBef>
-            </a:pPr>
-            <a:r>
-              <a:rPr lang="ru-RU" sz="2000" spc="-30" dirty="0">
-                <a:latin typeface="Fira Sans Condensed" panose="020B0503050000020004" pitchFamily="34" charset="0"/>
-                <a:cs typeface="Times New Roman" panose="02020603050405020304" pitchFamily="18" charset="0"/>
-              </a:rPr>
-              <a:t>Спасибо</a:t>
-            </a:r>
-            <a:r>
-              <a:rPr lang="ru-RU" sz="2000" spc="-60" dirty="0">
-                <a:latin typeface="Fira Sans Condensed" panose="020B0503050000020004" pitchFamily="34" charset="0"/>
-                <a:cs typeface="Times New Roman" panose="02020603050405020304" pitchFamily="18" charset="0"/>
-              </a:rPr>
-              <a:t> </a:t>
-            </a:r>
-            <a:r>
-              <a:rPr lang="ru-RU" sz="2000" spc="-30" dirty="0">
-                <a:latin typeface="Fira Sans Condensed" panose="020B0503050000020004" pitchFamily="34" charset="0"/>
-                <a:cs typeface="Times New Roman" panose="02020603050405020304" pitchFamily="18" charset="0"/>
-              </a:rPr>
-              <a:t>за</a:t>
-            </a:r>
-            <a:r>
-              <a:rPr lang="ru-RU" sz="2000" spc="-60" dirty="0">
-                <a:latin typeface="Fira Sans Condensed" panose="020B0503050000020004" pitchFamily="34" charset="0"/>
-                <a:cs typeface="Times New Roman" panose="02020603050405020304" pitchFamily="18" charset="0"/>
-              </a:rPr>
-              <a:t> </a:t>
-            </a:r>
-            <a:r>
-              <a:rPr lang="ru-RU" sz="2000" spc="-30" dirty="0">
-                <a:latin typeface="Fira Sans Condensed" panose="020B0503050000020004" pitchFamily="34" charset="0"/>
-                <a:cs typeface="Times New Roman" panose="02020603050405020304" pitchFamily="18" charset="0"/>
-              </a:rPr>
-              <a:t>внимание</a:t>
-            </a:r>
-            <a:endParaRPr lang="ru-RU" sz="2000" dirty="0">
-              <a:latin typeface="Fira Sans Condensed" panose="020B0503050000020004" pitchFamily="34" charset="0"/>
-              <a:cs typeface="Times New Roman" panose="02020603050405020304" pitchFamily="18" charset="0"/>
-            </a:endParaRPr>
-          </a:p>
-        </p:txBody>
-      </p:sp>
-      <p:sp>
-        <p:nvSpPr>
-          <p:cNvPr id="11" name="object 7">
-            <a:extLst>
-              <a:ext uri="{FF2B5EF4-FFF2-40B4-BE49-F238E27FC236}">
-                <a16:creationId xmlns:a16="http://schemas.microsoft.com/office/drawing/2014/main" id="{C7E93514-CEFD-5226-0FEA-194B307C661A}"/>
+                <a16:creationId xmlns:a16="http://schemas.microsoft.com/office/drawing/2014/main" id="{53F84418-E4D6-E2A5-3E0F-A9A56B4FC5BE}"/>
               </a:ext>
             </a:extLst>
           </p:cNvPr>
@@ -15569,15 +15560,207 @@
         </p:nvSpPr>
         <p:spPr>
           <a:xfrm>
-            <a:off x="200590" y="1008356"/>
-            <a:ext cx="3084830" cy="1037528"/>
+            <a:off x="-20944" y="3319545"/>
+            <a:ext cx="527293" cy="137203"/>
           </a:xfrm>
           <a:prstGeom prst="rect">
             <a:avLst/>
           </a:prstGeom>
         </p:spPr>
         <p:txBody>
-          <a:bodyPr vert="horz" wrap="square" lIns="0" tIns="2540" rIns="0" bIns="0" rtlCol="0">
+          <a:bodyPr lIns="0" tIns="0" rIns="0" bIns="0"/>
+          <a:lstStyle>
+            <a:defPPr>
+              <a:defRPr lang="ru-RU"/>
+            </a:defPPr>
+            <a:lvl1pPr marL="0" algn="l" defTabSz="914400" rtl="0" eaLnBrk="1" latinLnBrk="0" hangingPunct="1">
+              <a:defRPr sz="800" b="0" i="0" kern="1200">
+                <a:solidFill>
+                  <a:srgbClr val="00B050"/>
+                </a:solidFill>
+                <a:latin typeface="Times New Roman" panose="02020603050405020304" pitchFamily="18" charset="0"/>
+                <a:ea typeface="+mn-ea"/>
+                <a:cs typeface="Times New Roman" panose="02020603050405020304" pitchFamily="18" charset="0"/>
+              </a:defRPr>
+            </a:lvl1pPr>
+            <a:lvl2pPr marL="457200" algn="l" defTabSz="914400" rtl="0" eaLnBrk="1" latinLnBrk="0" hangingPunct="1">
+              <a:defRPr sz="1800" kern="1200">
+                <a:solidFill>
+                  <a:schemeClr val="tx1"/>
+                </a:solidFill>
+                <a:latin typeface="+mn-lt"/>
+                <a:ea typeface="+mn-ea"/>
+                <a:cs typeface="+mn-cs"/>
+              </a:defRPr>
+            </a:lvl2pPr>
+            <a:lvl3pPr marL="914400" algn="l" defTabSz="914400" rtl="0" eaLnBrk="1" latinLnBrk="0" hangingPunct="1">
+              <a:defRPr sz="1800" kern="1200">
+                <a:solidFill>
+                  <a:schemeClr val="tx1"/>
+                </a:solidFill>
+                <a:latin typeface="+mn-lt"/>
+                <a:ea typeface="+mn-ea"/>
+                <a:cs typeface="+mn-cs"/>
+              </a:defRPr>
+            </a:lvl3pPr>
+            <a:lvl4pPr marL="1371600" algn="l" defTabSz="914400" rtl="0" eaLnBrk="1" latinLnBrk="0" hangingPunct="1">
+              <a:defRPr sz="1800" kern="1200">
+                <a:solidFill>
+                  <a:schemeClr val="tx1"/>
+                </a:solidFill>
+                <a:latin typeface="+mn-lt"/>
+                <a:ea typeface="+mn-ea"/>
+                <a:cs typeface="+mn-cs"/>
+              </a:defRPr>
+            </a:lvl4pPr>
+            <a:lvl5pPr marL="1828800" algn="l" defTabSz="914400" rtl="0" eaLnBrk="1" latinLnBrk="0" hangingPunct="1">
+              <a:defRPr sz="1800" kern="1200">
+                <a:solidFill>
+                  <a:schemeClr val="tx1"/>
+                </a:solidFill>
+                <a:latin typeface="+mn-lt"/>
+                <a:ea typeface="+mn-ea"/>
+                <a:cs typeface="+mn-cs"/>
+              </a:defRPr>
+            </a:lvl5pPr>
+            <a:lvl6pPr marL="2286000" algn="l" defTabSz="914400" rtl="0" eaLnBrk="1" latinLnBrk="0" hangingPunct="1">
+              <a:defRPr sz="1800" kern="1200">
+                <a:solidFill>
+                  <a:schemeClr val="tx1"/>
+                </a:solidFill>
+                <a:latin typeface="+mn-lt"/>
+                <a:ea typeface="+mn-ea"/>
+                <a:cs typeface="+mn-cs"/>
+              </a:defRPr>
+            </a:lvl6pPr>
+            <a:lvl7pPr marL="2743200" algn="l" defTabSz="914400" rtl="0" eaLnBrk="1" latinLnBrk="0" hangingPunct="1">
+              <a:defRPr sz="1800" kern="1200">
+                <a:solidFill>
+                  <a:schemeClr val="tx1"/>
+                </a:solidFill>
+                <a:latin typeface="+mn-lt"/>
+                <a:ea typeface="+mn-ea"/>
+                <a:cs typeface="+mn-cs"/>
+              </a:defRPr>
+            </a:lvl7pPr>
+            <a:lvl8pPr marL="3200400" algn="l" defTabSz="914400" rtl="0" eaLnBrk="1" latinLnBrk="0" hangingPunct="1">
+              <a:defRPr sz="1800" kern="1200">
+                <a:solidFill>
+                  <a:schemeClr val="tx1"/>
+                </a:solidFill>
+                <a:latin typeface="+mn-lt"/>
+                <a:ea typeface="+mn-ea"/>
+                <a:cs typeface="+mn-cs"/>
+              </a:defRPr>
+            </a:lvl8pPr>
+            <a:lvl9pPr marL="3657600" algn="l" defTabSz="914400" rtl="0" eaLnBrk="1" latinLnBrk="0" hangingPunct="1">
+              <a:defRPr sz="1800" kern="1200">
+                <a:solidFill>
+                  <a:schemeClr val="tx1"/>
+                </a:solidFill>
+                <a:latin typeface="+mn-lt"/>
+                <a:ea typeface="+mn-ea"/>
+                <a:cs typeface="+mn-cs"/>
+              </a:defRPr>
+            </a:lvl9pPr>
+          </a:lstStyle>
+          <a:p>
+            <a:pPr marL="38100">
+              <a:spcBef>
+                <a:spcPts val="95"/>
+              </a:spcBef>
+            </a:pPr>
+            <a:fld id="{81D60167-4931-47E6-BA6A-407CBD079E47}" type="slidenum">
+              <a:rPr lang="ru-RU" spc="-5" smtClean="0">
+                <a:solidFill>
+                  <a:srgbClr val="0070C0"/>
+                </a:solidFill>
+                <a:latin typeface="Fira Sans Condensed" panose="020B0503050000020004" pitchFamily="34" charset="0"/>
+              </a:rPr>
+              <a:pPr marL="38100">
+                <a:spcBef>
+                  <a:spcPts val="95"/>
+                </a:spcBef>
+              </a:pPr>
+              <a:t>17</a:t>
+            </a:fld>
+            <a:endParaRPr lang="ru-RU" spc="-5" dirty="0">
+              <a:solidFill>
+                <a:srgbClr val="0070C0"/>
+              </a:solidFill>
+              <a:latin typeface="Fira Sans Condensed" panose="020B0503050000020004" pitchFamily="34" charset="0"/>
+            </a:endParaRPr>
+          </a:p>
+        </p:txBody>
+      </p:sp>
+      <p:cxnSp>
+        <p:nvCxnSpPr>
+          <p:cNvPr id="9" name="Прямая соединительная линия 8">
+            <a:extLst>
+              <a:ext uri="{FF2B5EF4-FFF2-40B4-BE49-F238E27FC236}">
+                <a16:creationId xmlns:a16="http://schemas.microsoft.com/office/drawing/2014/main" id="{15DFC3CF-B111-A4CE-3C17-E25DEAA7304D}"/>
+              </a:ext>
+            </a:extLst>
+          </p:cNvPr>
+          <p:cNvCxnSpPr>
+            <a:cxnSpLocks/>
+          </p:cNvCxnSpPr>
+          <p:nvPr/>
+        </p:nvCxnSpPr>
+        <p:spPr>
+          <a:xfrm>
+            <a:off x="196936" y="763600"/>
+            <a:ext cx="4216227" cy="0"/>
+          </a:xfrm>
+          <a:prstGeom prst="line">
+            <a:avLst/>
+          </a:prstGeom>
+          <a:ln>
+            <a:solidFill>
+              <a:srgbClr val="0070C0"/>
+            </a:solidFill>
+          </a:ln>
+        </p:spPr>
+        <p:style>
+          <a:lnRef idx="1">
+            <a:schemeClr val="accent1"/>
+          </a:lnRef>
+          <a:fillRef idx="0">
+            <a:schemeClr val="accent1"/>
+          </a:fillRef>
+          <a:effectRef idx="0">
+            <a:schemeClr val="accent1"/>
+          </a:effectRef>
+          <a:fontRef idx="minor">
+            <a:schemeClr val="tx1"/>
+          </a:fontRef>
+        </p:style>
+      </p:cxnSp>
+      <p:sp>
+        <p:nvSpPr>
+          <p:cNvPr id="29" name="object 2">
+            <a:extLst>
+              <a:ext uri="{FF2B5EF4-FFF2-40B4-BE49-F238E27FC236}">
+                <a16:creationId xmlns:a16="http://schemas.microsoft.com/office/drawing/2014/main" id="{99BE9059-308D-8102-09E1-09EAC1C8944D}"/>
+              </a:ext>
+            </a:extLst>
+          </p:cNvPr>
+          <p:cNvSpPr txBox="1">
+            <a:spLocks/>
+          </p:cNvSpPr>
+          <p:nvPr/>
+        </p:nvSpPr>
+        <p:spPr>
+          <a:xfrm>
+            <a:off x="196935" y="477093"/>
+            <a:ext cx="4216227" cy="196208"/>
+          </a:xfrm>
+          <a:prstGeom prst="rect">
+            <a:avLst/>
+          </a:prstGeom>
+        </p:spPr>
+        <p:txBody>
+          <a:bodyPr vert="horz" wrap="square" lIns="0" tIns="11430" rIns="0" bIns="0" rtlCol="0">
             <a:spAutoFit/>
           </a:bodyPr>
           <a:lstStyle>
@@ -15593,33 +15776,104 @@
             </a:lvl1pPr>
           </a:lstStyle>
           <a:p>
-            <a:pPr marL="12700" marR="5080" algn="l">
-              <a:lnSpc>
-                <a:spcPct val="106700"/>
-              </a:lnSpc>
+            <a:pPr marL="12700">
               <a:spcBef>
-                <a:spcPts val="20"/>
+                <a:spcPts val="90"/>
               </a:spcBef>
             </a:pPr>
             <a:r>
-              <a:rPr lang="ru-RU" sz="1600" kern="0">
-                <a:latin typeface="Fira Sans Condensed" panose="020B0503050000020004" pitchFamily="34" charset="0"/>
-                <a:cs typeface="Times New Roman" panose="02020603050405020304" pitchFamily="18" charset="0"/>
-              </a:rPr>
-              <a:t>Разработка графического программного обеспечения для визуализации трехмерных объектов</a:t>
-            </a:r>
-            <a:endParaRPr lang="ru-RU" sz="1600" kern="0" dirty="0">
+              <a:rPr lang="ru-RU" sz="1200" spc="-40" dirty="0">
+                <a:latin typeface="Fira Sans Condensed" panose="020B0503050000020004" pitchFamily="34" charset="0"/>
+                <a:cs typeface="Times New Roman" panose="02020603050405020304" pitchFamily="18" charset="0"/>
+              </a:rPr>
+              <a:t>Заключение</a:t>
+            </a:r>
+            <a:endParaRPr lang="ru-RU" sz="1200" kern="0" spc="-40" dirty="0">
               <a:latin typeface="Fira Sans Condensed" panose="020B0503050000020004" pitchFamily="34" charset="0"/>
+              <a:cs typeface="Times New Roman" panose="02020603050405020304" pitchFamily="18" charset="0"/>
             </a:endParaRPr>
           </a:p>
         </p:txBody>
       </p:sp>
       <p:sp>
         <p:nvSpPr>
-          <p:cNvPr id="13" name="object 10">
+          <p:cNvPr id="3" name="Прямоугольник 2">
             <a:extLst>
               <a:ext uri="{FF2B5EF4-FFF2-40B4-BE49-F238E27FC236}">
-                <a16:creationId xmlns:a16="http://schemas.microsoft.com/office/drawing/2014/main" id="{B82FC693-3525-0F3D-0195-C0D4604C1A8E}"/>
+                <a16:creationId xmlns:a16="http://schemas.microsoft.com/office/drawing/2014/main" id="{2DF993F0-E709-8B4F-D381-F0D462279780}"/>
+              </a:ext>
+            </a:extLst>
+          </p:cNvPr>
+          <p:cNvSpPr/>
+          <p:nvPr/>
+        </p:nvSpPr>
+        <p:spPr>
+          <a:xfrm>
+            <a:off x="1" y="3295813"/>
+            <a:ext cx="4610100" cy="164937"/>
+          </a:xfrm>
+          <a:prstGeom prst="rect">
+            <a:avLst/>
+          </a:prstGeom>
+          <a:solidFill>
+            <a:schemeClr val="accent1">
+              <a:alpha val="20000"/>
+            </a:schemeClr>
+          </a:solidFill>
+          <a:ln>
+            <a:noFill/>
+          </a:ln>
+        </p:spPr>
+        <p:style>
+          <a:lnRef idx="2">
+            <a:schemeClr val="accent1">
+              <a:shade val="15000"/>
+            </a:schemeClr>
+          </a:lnRef>
+          <a:fillRef idx="1">
+            <a:schemeClr val="accent1"/>
+          </a:fillRef>
+          <a:effectRef idx="0">
+            <a:schemeClr val="accent1"/>
+          </a:effectRef>
+          <a:fontRef idx="minor">
+            <a:schemeClr val="lt1"/>
+          </a:fontRef>
+        </p:style>
+        <p:txBody>
+          <a:bodyPr rtlCol="0" anchor="ctr"/>
+          <a:lstStyle/>
+          <a:p>
+            <a:pPr algn="r"/>
+            <a:r>
+              <a:rPr lang="ru-RU" sz="800" b="1" dirty="0">
+                <a:solidFill>
+                  <a:schemeClr val="bg1">
+                    <a:lumMod val="50000"/>
+                  </a:schemeClr>
+                </a:solidFill>
+                <a:latin typeface="Fira Sans Condensed" panose="020B0503050000020004" pitchFamily="34" charset="0"/>
+                <a:cs typeface="Times New Roman" panose="02020603050405020304" pitchFamily="18" charset="0"/>
+              </a:rPr>
+              <a:t>Разработка графического программного обеспечения для визуализации трехмерных объектов</a:t>
+            </a:r>
+            <a:endParaRPr lang="ru-RU" sz="800" dirty="0">
+              <a:solidFill>
+                <a:schemeClr val="bg1">
+                  <a:lumMod val="50000"/>
+                </a:schemeClr>
+              </a:solidFill>
+              <a:latin typeface="Fira Sans Condensed" panose="020B0503050000020004" pitchFamily="34" charset="0"/>
+            </a:endParaRPr>
+          </a:p>
+        </p:txBody>
+      </p:sp>
+      <p:sp>
+        <p:nvSpPr>
+          <p:cNvPr id="14" name="TextBox 13">
+            <a:extLst>
+              <a:ext uri="{FF2B5EF4-FFF2-40B4-BE49-F238E27FC236}">
+                <a16:creationId xmlns:a16="http://schemas.microsoft.com/office/drawing/2014/main" id="{7FA94562-8697-9457-4170-D4BF0D9AC830}"/>
               </a:ext>
             </a:extLst>
           </p:cNvPr>
@@ -15628,69 +15882,204 @@
         </p:nvSpPr>
         <p:spPr>
           <a:xfrm>
-            <a:off x="266560" y="2452394"/>
-            <a:ext cx="2952890" cy="330219"/>
+            <a:off x="0" y="-2933"/>
+            <a:ext cx="4621079" cy="338554"/>
           </a:xfrm>
           <a:prstGeom prst="rect">
             <a:avLst/>
           </a:prstGeom>
+          <a:solidFill>
+            <a:schemeClr val="accent1">
+              <a:alpha val="20000"/>
+            </a:schemeClr>
+          </a:solidFill>
         </p:spPr>
         <p:txBody>
-          <a:bodyPr vert="horz" wrap="square" lIns="0" tIns="22225" rIns="0" bIns="0" rtlCol="0">
+          <a:bodyPr wrap="square" rtlCol="0">
             <a:spAutoFit/>
           </a:bodyPr>
           <a:lstStyle/>
           <a:p>
-            <a:r>
-              <a:rPr lang="ru-RU" sz="1000" dirty="0">
-                <a:latin typeface="Fira Sans Condensed" panose="020B0503050000020004" pitchFamily="34" charset="0"/>
-                <a:cs typeface="Times New Roman" panose="02020603050405020304" pitchFamily="18" charset="0"/>
-              </a:rPr>
-              <a:t>Студент:		Губанов Д.А.</a:t>
-            </a:r>
-            <a:endParaRPr lang="en-US" sz="1000" dirty="0">
-              <a:latin typeface="Fira Sans Condensed" panose="020B0503050000020004" pitchFamily="34" charset="0"/>
-              <a:cs typeface="Times New Roman" panose="02020603050405020304" pitchFamily="18" charset="0"/>
-            </a:endParaRPr>
-          </a:p>
-          <a:p>
-            <a:r>
-              <a:rPr lang="ru-RU" sz="1000" dirty="0">
-                <a:latin typeface="Fira Sans Condensed" panose="020B0503050000020004" pitchFamily="34" charset="0"/>
-                <a:cs typeface="Times New Roman" panose="02020603050405020304" pitchFamily="18" charset="0"/>
-              </a:rPr>
-              <a:t>Научный руководитель: </a:t>
-            </a:r>
-            <a:r>
-              <a:rPr lang="en-US" sz="1000" dirty="0">
-                <a:latin typeface="Fira Sans Condensed" panose="020B0503050000020004" pitchFamily="34" charset="0"/>
-                <a:cs typeface="Times New Roman" panose="02020603050405020304" pitchFamily="18" charset="0"/>
-              </a:rPr>
-              <a:t>	</a:t>
-            </a:r>
-            <a:r>
-              <a:rPr lang="ru-RU" sz="1000" dirty="0" err="1">
-                <a:latin typeface="Fira Sans Condensed" panose="020B0503050000020004" pitchFamily="34" charset="0"/>
-                <a:cs typeface="Times New Roman" panose="02020603050405020304" pitchFamily="18" charset="0"/>
-              </a:rPr>
-              <a:t>Витюков</a:t>
-            </a:r>
-            <a:r>
-              <a:rPr lang="ru-RU" sz="1000" dirty="0">
-                <a:latin typeface="Fira Sans Condensed" panose="020B0503050000020004" pitchFamily="34" charset="0"/>
-                <a:cs typeface="Times New Roman" panose="02020603050405020304" pitchFamily="18" charset="0"/>
-              </a:rPr>
-              <a:t> Ф.А.</a:t>
+            <a:pPr algn="just"/>
+            <a:r>
+              <a:rPr lang="ru-RU" sz="800" dirty="0">
+                <a:solidFill>
+                  <a:schemeClr val="bg1">
+                    <a:lumMod val="75000"/>
+                  </a:schemeClr>
+                </a:solidFill>
+                <a:latin typeface="Fira Sans Condensed" panose="020B0503050000020004" pitchFamily="34" charset="0"/>
+                <a:cs typeface="Times New Roman" panose="02020603050405020304" pitchFamily="18" charset="0"/>
+              </a:rPr>
+              <a:t>Введение</a:t>
+            </a:r>
+            <a:r>
+              <a:rPr lang="ru-RU" sz="800" dirty="0">
+                <a:latin typeface="Fira Sans Condensed" panose="020B0503050000020004" pitchFamily="34" charset="0"/>
+                <a:cs typeface="Times New Roman" panose="02020603050405020304" pitchFamily="18" charset="0"/>
+              </a:rPr>
+              <a:t> </a:t>
+            </a:r>
+            <a:r>
+              <a:rPr lang="en-US" sz="800" dirty="0">
+                <a:solidFill>
+                  <a:schemeClr val="bg1">
+                    <a:lumMod val="75000"/>
+                  </a:schemeClr>
+                </a:solidFill>
+                <a:latin typeface="Fira Sans Condensed" panose="020B0503050000020004" pitchFamily="34" charset="0"/>
+                <a:cs typeface="Times New Roman" panose="02020603050405020304" pitchFamily="18" charset="0"/>
+              </a:rPr>
+              <a:t>| </a:t>
+            </a:r>
+            <a:r>
+              <a:rPr lang="ru-RU" sz="800" dirty="0">
+                <a:solidFill>
+                  <a:schemeClr val="bg1">
+                    <a:lumMod val="75000"/>
+                  </a:schemeClr>
+                </a:solidFill>
+                <a:latin typeface="Fira Sans Condensed" panose="020B0503050000020004" pitchFamily="34" charset="0"/>
+                <a:cs typeface="Times New Roman" panose="02020603050405020304" pitchFamily="18" charset="0"/>
+              </a:rPr>
+              <a:t>Основа графического ПО </a:t>
+            </a:r>
+            <a:r>
+              <a:rPr lang="en-US" sz="800" dirty="0">
+                <a:solidFill>
+                  <a:schemeClr val="bg1">
+                    <a:lumMod val="75000"/>
+                  </a:schemeClr>
+                </a:solidFill>
+                <a:latin typeface="Fira Sans Condensed" panose="020B0503050000020004" pitchFamily="34" charset="0"/>
+                <a:cs typeface="Times New Roman" panose="02020603050405020304" pitchFamily="18" charset="0"/>
+              </a:rPr>
+              <a:t>| </a:t>
+            </a:r>
+            <a:r>
+              <a:rPr lang="ru-RU" sz="800" dirty="0">
+                <a:solidFill>
+                  <a:schemeClr val="bg1">
+                    <a:lumMod val="75000"/>
+                  </a:schemeClr>
+                </a:solidFill>
+                <a:latin typeface="Fira Sans Condensed" panose="020B0503050000020004" pitchFamily="34" charset="0"/>
+                <a:cs typeface="Times New Roman" panose="02020603050405020304" pitchFamily="18" charset="0"/>
+              </a:rPr>
+              <a:t>Импортирование текстур и моделей </a:t>
+            </a:r>
+            <a:r>
+              <a:rPr lang="en-US" sz="800" dirty="0">
+                <a:solidFill>
+                  <a:schemeClr val="bg1">
+                    <a:lumMod val="75000"/>
+                  </a:schemeClr>
+                </a:solidFill>
+                <a:latin typeface="Fira Sans Condensed" panose="020B0503050000020004" pitchFamily="34" charset="0"/>
+                <a:cs typeface="Times New Roman" panose="02020603050405020304" pitchFamily="18" charset="0"/>
+              </a:rPr>
+              <a:t>|</a:t>
+            </a:r>
+            <a:r>
+              <a:rPr lang="ru-RU" sz="800" dirty="0">
+                <a:solidFill>
+                  <a:schemeClr val="bg1">
+                    <a:lumMod val="75000"/>
+                  </a:schemeClr>
+                </a:solidFill>
+                <a:latin typeface="Fira Sans Condensed" panose="020B0503050000020004" pitchFamily="34" charset="0"/>
+                <a:cs typeface="Times New Roman" panose="02020603050405020304" pitchFamily="18" charset="0"/>
+              </a:rPr>
+              <a:t> Математические преобразования </a:t>
+            </a:r>
+            <a:r>
+              <a:rPr lang="en-US" sz="800" dirty="0">
+                <a:solidFill>
+                  <a:schemeClr val="bg1">
+                    <a:lumMod val="75000"/>
+                  </a:schemeClr>
+                </a:solidFill>
+                <a:latin typeface="Fira Sans Condensed" panose="020B0503050000020004" pitchFamily="34" charset="0"/>
+                <a:cs typeface="Times New Roman" panose="02020603050405020304" pitchFamily="18" charset="0"/>
+              </a:rPr>
+              <a:t>| </a:t>
+            </a:r>
+            <a:r>
+              <a:rPr lang="ru-RU" sz="800" dirty="0">
+                <a:solidFill>
+                  <a:schemeClr val="bg1">
+                    <a:lumMod val="75000"/>
+                  </a:schemeClr>
+                </a:solidFill>
+                <a:latin typeface="Fira Sans Condensed" panose="020B0503050000020004" pitchFamily="34" charset="0"/>
+                <a:cs typeface="Times New Roman" panose="02020603050405020304" pitchFamily="18" charset="0"/>
+              </a:rPr>
+              <a:t>Освещение</a:t>
+            </a:r>
+            <a:r>
+              <a:rPr lang="en-US" sz="800" dirty="0">
+                <a:solidFill>
+                  <a:schemeClr val="bg1">
+                    <a:lumMod val="75000"/>
+                  </a:schemeClr>
+                </a:solidFill>
+                <a:latin typeface="Fira Sans Condensed" panose="020B0503050000020004" pitchFamily="34" charset="0"/>
+                <a:cs typeface="Times New Roman" panose="02020603050405020304" pitchFamily="18" charset="0"/>
+              </a:rPr>
+              <a:t> | </a:t>
+            </a:r>
+            <a:r>
+              <a:rPr lang="ru-RU" sz="800" dirty="0">
+                <a:solidFill>
+                  <a:schemeClr val="bg1">
+                    <a:lumMod val="75000"/>
+                  </a:schemeClr>
+                </a:solidFill>
+                <a:latin typeface="Fira Sans Condensed" panose="020B0503050000020004" pitchFamily="34" charset="0"/>
+                <a:cs typeface="Times New Roman" panose="02020603050405020304" pitchFamily="18" charset="0"/>
+              </a:rPr>
+              <a:t>Графический и программный интерфейс </a:t>
+            </a:r>
+            <a:r>
+              <a:rPr lang="en-US" sz="800" dirty="0">
+                <a:solidFill>
+                  <a:schemeClr val="bg1">
+                    <a:lumMod val="75000"/>
+                  </a:schemeClr>
+                </a:solidFill>
+                <a:latin typeface="Fira Sans Condensed" panose="020B0503050000020004" pitchFamily="34" charset="0"/>
+                <a:cs typeface="Times New Roman" panose="02020603050405020304" pitchFamily="18" charset="0"/>
+              </a:rPr>
+              <a:t>|</a:t>
+            </a:r>
+            <a:r>
+              <a:rPr lang="ru-RU" sz="800" dirty="0">
+                <a:solidFill>
+                  <a:schemeClr val="bg1">
+                    <a:lumMod val="75000"/>
+                  </a:schemeClr>
+                </a:solidFill>
+                <a:latin typeface="Fira Sans Condensed" panose="020B0503050000020004" pitchFamily="34" charset="0"/>
+                <a:cs typeface="Times New Roman" panose="02020603050405020304" pitchFamily="18" charset="0"/>
+              </a:rPr>
+              <a:t> </a:t>
+            </a:r>
+            <a:r>
+              <a:rPr lang="ru-RU" sz="800" dirty="0">
+                <a:latin typeface="Fira Sans Condensed" panose="020B0503050000020004" pitchFamily="34" charset="0"/>
+                <a:cs typeface="Times New Roman" panose="02020603050405020304" pitchFamily="18" charset="0"/>
+              </a:rPr>
+              <a:t>Заключение</a:t>
             </a:r>
           </a:p>
         </p:txBody>
       </p:sp>
       <p:sp>
         <p:nvSpPr>
-          <p:cNvPr id="15" name="TextBox 14">
+          <p:cNvPr id="10" name="TextBox 9">
             <a:extLst>
               <a:ext uri="{FF2B5EF4-FFF2-40B4-BE49-F238E27FC236}">
-                <a16:creationId xmlns:a16="http://schemas.microsoft.com/office/drawing/2014/main" id="{59161140-C377-D7D1-CA4A-6BD097F33A02}"/>
+                <a16:creationId xmlns:a16="http://schemas.microsoft.com/office/drawing/2014/main" id="{6AB4390D-6968-4EEF-A8E2-27CF6B08A2BB}"/>
               </a:ext>
             </a:extLst>
           </p:cNvPr>
@@ -15699,8 +16088,8 @@
         </p:nvSpPr>
         <p:spPr>
           <a:xfrm>
-            <a:off x="1082377" y="3136122"/>
-            <a:ext cx="917873" cy="246221"/>
+            <a:off x="196936" y="763600"/>
+            <a:ext cx="4216227" cy="1791965"/>
           </a:xfrm>
           <a:prstGeom prst="rect">
             <a:avLst/>
@@ -15708,25 +16097,415 @@
           <a:noFill/>
         </p:spPr>
         <p:txBody>
-          <a:bodyPr wrap="square">
+          <a:bodyPr wrap="square" rtlCol="0">
             <a:spAutoFit/>
           </a:bodyPr>
           <a:lstStyle/>
           <a:p>
-            <a:r>
-              <a:rPr lang="ru-RU" sz="1000" dirty="0">
-                <a:latin typeface="Fira Sans Condensed" panose="020B0503050000020004" pitchFamily="34" charset="0"/>
-                <a:cs typeface="Times New Roman" panose="02020603050405020304" pitchFamily="18" charset="0"/>
-              </a:rPr>
-              <a:t>Москва, 2025</a:t>
-            </a:r>
+            <a:pPr marL="0" lvl="0" indent="0" algn="just" rtl="0">
+              <a:spcBef>
+                <a:spcPts val="0"/>
+              </a:spcBef>
+              <a:spcAft>
+                <a:spcPts val="1000"/>
+              </a:spcAft>
+              <a:buNone/>
+            </a:pPr>
+            <a:r>
+              <a:rPr lang="ru-RU" sz="900" dirty="0">
+                <a:latin typeface="Fira Sans Condensed" panose="020B0503050000020004" pitchFamily="34" charset="0"/>
+                <a:cs typeface="Times New Roman" panose="02020603050405020304" pitchFamily="18" charset="0"/>
+              </a:rPr>
+              <a:t>В рамках данной работы была достигнута следующая </a:t>
+            </a:r>
+            <a:r>
+              <a:rPr lang="ru-RU" sz="900" b="1" dirty="0">
+                <a:latin typeface="Fira Sans Condensed" panose="020B0503050000020004" pitchFamily="34" charset="0"/>
+                <a:cs typeface="Times New Roman" panose="02020603050405020304" pitchFamily="18" charset="0"/>
+              </a:rPr>
+              <a:t>цель</a:t>
+            </a:r>
+            <a:r>
+              <a:rPr lang="en-US" sz="900" b="1" dirty="0">
+                <a:latin typeface="Fira Sans Condensed" panose="020B0503050000020004" pitchFamily="34" charset="0"/>
+                <a:cs typeface="Times New Roman" panose="02020603050405020304" pitchFamily="18" charset="0"/>
+              </a:rPr>
+              <a:t>:</a:t>
+            </a:r>
+            <a:r>
+              <a:rPr lang="ru-RU" sz="900" b="1" dirty="0">
+                <a:solidFill>
+                  <a:schemeClr val="tx1"/>
+                </a:solidFill>
+                <a:latin typeface="Fira Sans Condensed" panose="020B0503050000020004" pitchFamily="34" charset="0"/>
+                <a:cs typeface="Times New Roman" panose="02020603050405020304" pitchFamily="18" charset="0"/>
+              </a:rPr>
+              <a:t> </a:t>
+            </a:r>
+            <a:r>
+              <a:rPr lang="ru-RU" sz="900" dirty="0">
+                <a:solidFill>
+                  <a:schemeClr val="tx1"/>
+                </a:solidFill>
+                <a:latin typeface="Fira Sans Condensed" panose="020B0503050000020004" pitchFamily="34" charset="0"/>
+                <a:cs typeface="Times New Roman" panose="02020603050405020304" pitchFamily="18" charset="0"/>
+              </a:rPr>
+              <a:t>Разработано графическое программное обеспечение для визуализации трехмерных объектов</a:t>
+            </a:r>
+            <a:r>
+              <a:rPr lang="en-US" sz="900" dirty="0">
+                <a:solidFill>
+                  <a:schemeClr val="tx1"/>
+                </a:solidFill>
+                <a:latin typeface="Fira Sans Condensed" panose="020B0503050000020004" pitchFamily="34" charset="0"/>
+                <a:cs typeface="Times New Roman" panose="02020603050405020304" pitchFamily="18" charset="0"/>
+              </a:rPr>
+              <a:t> </a:t>
+            </a:r>
+            <a:r>
+              <a:rPr lang="ru-RU" sz="900" dirty="0">
+                <a:solidFill>
+                  <a:schemeClr val="tx1"/>
+                </a:solidFill>
+                <a:latin typeface="Fira Sans Condensed" panose="020B0503050000020004" pitchFamily="34" charset="0"/>
+                <a:cs typeface="Times New Roman" panose="02020603050405020304" pitchFamily="18" charset="0"/>
+              </a:rPr>
+              <a:t>на </a:t>
+            </a:r>
+            <a:r>
+              <a:rPr lang="en-US" sz="900" dirty="0">
+                <a:solidFill>
+                  <a:schemeClr val="tx1"/>
+                </a:solidFill>
+                <a:latin typeface="Fira Sans Condensed" panose="020B0503050000020004" pitchFamily="34" charset="0"/>
+                <a:cs typeface="Times New Roman" panose="02020603050405020304" pitchFamily="18" charset="0"/>
+              </a:rPr>
+              <a:t>OpenGL</a:t>
+            </a:r>
+            <a:r>
+              <a:rPr lang="en-US" sz="900" dirty="0">
+                <a:latin typeface="Fira Sans Condensed" panose="020B0503050000020004" pitchFamily="34" charset="0"/>
+                <a:cs typeface="Times New Roman" panose="02020603050405020304" pitchFamily="18" charset="0"/>
+              </a:rPr>
+              <a:t>.</a:t>
+            </a:r>
+            <a:endParaRPr lang="ru-RU" sz="900" dirty="0">
+              <a:latin typeface="Fira Sans Condensed" panose="020B0503050000020004" pitchFamily="34" charset="0"/>
+              <a:cs typeface="Times New Roman" panose="02020603050405020304" pitchFamily="18" charset="0"/>
+            </a:endParaRPr>
+          </a:p>
+          <a:p>
+            <a:pPr marL="0" lvl="0" indent="0" algn="just" rtl="0">
+              <a:spcBef>
+                <a:spcPts val="0"/>
+              </a:spcBef>
+              <a:buNone/>
+            </a:pPr>
+            <a:r>
+              <a:rPr lang="ru-RU" sz="900" dirty="0">
+                <a:latin typeface="Fira Sans Condensed" panose="020B0503050000020004" pitchFamily="34" charset="0"/>
+                <a:cs typeface="Times New Roman" panose="02020603050405020304" pitchFamily="18" charset="0"/>
+              </a:rPr>
+              <a:t>Для достижения данной цели решены следующие </a:t>
+            </a:r>
+            <a:r>
+              <a:rPr lang="ru-RU" sz="900" b="1" dirty="0">
+                <a:latin typeface="Fira Sans Condensed" panose="020B0503050000020004" pitchFamily="34" charset="0"/>
+                <a:cs typeface="Times New Roman" panose="02020603050405020304" pitchFamily="18" charset="0"/>
+              </a:rPr>
+              <a:t>з</a:t>
+            </a:r>
+            <a:r>
+              <a:rPr lang="ru-RU" sz="900" b="1" dirty="0">
+                <a:solidFill>
+                  <a:schemeClr val="tx1"/>
+                </a:solidFill>
+                <a:latin typeface="Fira Sans Condensed" panose="020B0503050000020004" pitchFamily="34" charset="0"/>
+                <a:cs typeface="Times New Roman" panose="02020603050405020304" pitchFamily="18" charset="0"/>
+              </a:rPr>
+              <a:t>адачи:</a:t>
+            </a:r>
+            <a:endParaRPr lang="ru-RU" sz="900" dirty="0">
+              <a:latin typeface="Fira Sans Condensed" panose="020B0503050000020004" pitchFamily="34" charset="0"/>
+              <a:cs typeface="Times New Roman" panose="02020603050405020304" pitchFamily="18" charset="0"/>
+            </a:endParaRPr>
+          </a:p>
+          <a:p>
+            <a:pPr marL="171450" lvl="0" indent="-171450" algn="just" rtl="0">
+              <a:lnSpc>
+                <a:spcPct val="150000"/>
+              </a:lnSpc>
+              <a:spcBef>
+                <a:spcPts val="0"/>
+              </a:spcBef>
+              <a:spcAft>
+                <a:spcPts val="0"/>
+              </a:spcAft>
+              <a:buFont typeface="Arial" panose="020B0604020202020204" pitchFamily="34" charset="0"/>
+              <a:buChar char="•"/>
+            </a:pPr>
+            <a:r>
+              <a:rPr lang="ru-RU" sz="900" dirty="0">
+                <a:solidFill>
+                  <a:schemeClr val="tx1"/>
+                </a:solidFill>
+                <a:latin typeface="Fira Sans Condensed" panose="020B0503050000020004" pitchFamily="34" charset="0"/>
+                <a:cs typeface="Times New Roman" panose="02020603050405020304" pitchFamily="18" charset="0"/>
+              </a:rPr>
+              <a:t>Создано </a:t>
+            </a:r>
+            <a:r>
+              <a:rPr lang="ru-RU" sz="900" b="1" dirty="0">
+                <a:solidFill>
+                  <a:schemeClr val="tx1"/>
+                </a:solidFill>
+                <a:latin typeface="Fira Sans Condensed" panose="020B0503050000020004" pitchFamily="34" charset="0"/>
+                <a:cs typeface="Times New Roman" panose="02020603050405020304" pitchFamily="18" charset="0"/>
+              </a:rPr>
+              <a:t>оконное приложение</a:t>
+            </a:r>
+            <a:r>
+              <a:rPr lang="ru-RU" sz="900" dirty="0">
+                <a:solidFill>
+                  <a:schemeClr val="tx1"/>
+                </a:solidFill>
+                <a:latin typeface="Fira Sans Condensed" panose="020B0503050000020004" pitchFamily="34" charset="0"/>
+                <a:cs typeface="Times New Roman" panose="02020603050405020304" pitchFamily="18" charset="0"/>
+              </a:rPr>
+              <a:t>, поддерживающее </a:t>
+            </a:r>
+            <a:r>
+              <a:rPr lang="ru-RU" sz="900" b="1" dirty="0">
+                <a:solidFill>
+                  <a:schemeClr val="tx1"/>
+                </a:solidFill>
+                <a:latin typeface="Fira Sans Condensed" panose="020B0503050000020004" pitchFamily="34" charset="0"/>
+                <a:cs typeface="Times New Roman" panose="02020603050405020304" pitchFamily="18" charset="0"/>
+              </a:rPr>
+              <a:t>различные ОС</a:t>
+            </a:r>
+            <a:r>
+              <a:rPr lang="en-US" sz="900" dirty="0">
+                <a:solidFill>
+                  <a:schemeClr val="tx1"/>
+                </a:solidFill>
+                <a:latin typeface="Fira Sans Condensed" panose="020B0503050000020004" pitchFamily="34" charset="0"/>
+                <a:cs typeface="Times New Roman" panose="02020603050405020304" pitchFamily="18" charset="0"/>
+              </a:rPr>
+              <a:t>;</a:t>
+            </a:r>
+            <a:endParaRPr lang="ru-RU" sz="900" dirty="0">
+              <a:latin typeface="Fira Sans Condensed" panose="020B0503050000020004" pitchFamily="34" charset="0"/>
+              <a:cs typeface="Times New Roman" panose="02020603050405020304" pitchFamily="18" charset="0"/>
+            </a:endParaRPr>
+          </a:p>
+          <a:p>
+            <a:pPr marL="171450" indent="-171450" algn="just">
+              <a:lnSpc>
+                <a:spcPct val="150000"/>
+              </a:lnSpc>
+              <a:buFont typeface="Arial" panose="020B0604020202020204" pitchFamily="34" charset="0"/>
+              <a:buChar char="•"/>
+            </a:pPr>
+            <a:r>
+              <a:rPr lang="ru-RU" sz="900" dirty="0">
+                <a:latin typeface="Fira Sans Condensed" panose="020B0503050000020004" pitchFamily="34" charset="0"/>
+                <a:cs typeface="Times New Roman" panose="02020603050405020304" pitchFamily="18" charset="0"/>
+              </a:rPr>
+              <a:t>Реализовано</a:t>
+            </a:r>
+            <a:r>
+              <a:rPr lang="ru-RU" sz="900" b="1" dirty="0">
+                <a:latin typeface="Fira Sans Condensed" panose="020B0503050000020004" pitchFamily="34" charset="0"/>
+                <a:cs typeface="Times New Roman" panose="02020603050405020304" pitchFamily="18" charset="0"/>
+              </a:rPr>
+              <a:t> отображение </a:t>
+            </a:r>
+            <a:r>
+              <a:rPr lang="ru-RU" sz="900" dirty="0">
+                <a:latin typeface="Fira Sans Condensed" panose="020B0503050000020004" pitchFamily="34" charset="0"/>
+                <a:cs typeface="Times New Roman" panose="02020603050405020304" pitchFamily="18" charset="0"/>
+              </a:rPr>
+              <a:t>трехмерных моделей</a:t>
+            </a:r>
+            <a:r>
+              <a:rPr lang="en-US" sz="900" dirty="0">
+                <a:latin typeface="Fira Sans Condensed" panose="020B0503050000020004" pitchFamily="34" charset="0"/>
+                <a:cs typeface="Times New Roman" panose="02020603050405020304" pitchFamily="18" charset="0"/>
+              </a:rPr>
+              <a:t>;</a:t>
+            </a:r>
+            <a:endParaRPr lang="ru-RU" sz="900" dirty="0">
+              <a:latin typeface="Fira Sans Condensed" panose="020B0503050000020004" pitchFamily="34" charset="0"/>
+              <a:cs typeface="Times New Roman" panose="02020603050405020304" pitchFamily="18" charset="0"/>
+            </a:endParaRPr>
+          </a:p>
+          <a:p>
+            <a:pPr marL="171450" indent="-171450" algn="just">
+              <a:lnSpc>
+                <a:spcPct val="150000"/>
+              </a:lnSpc>
+              <a:buFont typeface="Arial" panose="020B0604020202020204" pitchFamily="34" charset="0"/>
+              <a:buChar char="•"/>
+            </a:pPr>
+            <a:r>
+              <a:rPr lang="ru-RU" sz="900" dirty="0">
+                <a:latin typeface="Fira Sans Condensed" panose="020B0503050000020004" pitchFamily="34" charset="0"/>
+                <a:cs typeface="Times New Roman" panose="02020603050405020304" pitchFamily="18" charset="0"/>
+              </a:rPr>
+              <a:t>Разработано</a:t>
+            </a:r>
+            <a:r>
+              <a:rPr lang="ru-RU" sz="900" b="1" dirty="0">
+                <a:latin typeface="Fira Sans Condensed" panose="020B0503050000020004" pitchFamily="34" charset="0"/>
+                <a:cs typeface="Times New Roman" panose="02020603050405020304" pitchFamily="18" charset="0"/>
+              </a:rPr>
+              <a:t> импортирование</a:t>
+            </a:r>
+            <a:r>
+              <a:rPr lang="ru-RU" sz="900" dirty="0">
+                <a:latin typeface="Fira Sans Condensed" panose="020B0503050000020004" pitchFamily="34" charset="0"/>
+                <a:cs typeface="Times New Roman" panose="02020603050405020304" pitchFamily="18" charset="0"/>
+              </a:rPr>
+              <a:t> </a:t>
+            </a:r>
+            <a:r>
+              <a:rPr lang="ru-RU" sz="900" dirty="0">
+                <a:solidFill>
+                  <a:schemeClr val="tx1"/>
+                </a:solidFill>
+                <a:latin typeface="Fira Sans Condensed" panose="020B0503050000020004" pitchFamily="34" charset="0"/>
+                <a:cs typeface="Times New Roman" panose="02020603050405020304" pitchFamily="18" charset="0"/>
+              </a:rPr>
+              <a:t>трехмерных моделей</a:t>
+            </a:r>
+            <a:r>
+              <a:rPr lang="en-US" sz="900" dirty="0">
+                <a:latin typeface="Fira Sans Condensed" panose="020B0503050000020004" pitchFamily="34" charset="0"/>
+                <a:cs typeface="Times New Roman" panose="02020603050405020304" pitchFamily="18" charset="0"/>
+              </a:rPr>
+              <a:t>;</a:t>
+            </a:r>
+            <a:endParaRPr lang="ru-RU" sz="900" dirty="0">
+              <a:latin typeface="Fira Sans Condensed" panose="020B0503050000020004" pitchFamily="34" charset="0"/>
+              <a:cs typeface="Times New Roman" panose="02020603050405020304" pitchFamily="18" charset="0"/>
+            </a:endParaRPr>
+          </a:p>
+          <a:p>
+            <a:pPr marL="171450" indent="-171450" algn="just">
+              <a:lnSpc>
+                <a:spcPct val="150000"/>
+              </a:lnSpc>
+              <a:buFont typeface="Arial" panose="020B0604020202020204" pitchFamily="34" charset="0"/>
+              <a:buChar char="•"/>
+            </a:pPr>
+            <a:r>
+              <a:rPr lang="ru-RU" sz="900" dirty="0">
+                <a:latin typeface="Fira Sans Condensed" panose="020B0503050000020004" pitchFamily="34" charset="0"/>
+                <a:cs typeface="Times New Roman" panose="02020603050405020304" pitchFamily="18" charset="0"/>
+              </a:rPr>
+              <a:t>Реализован</a:t>
+            </a:r>
+            <a:r>
+              <a:rPr lang="ru-RU" sz="900" dirty="0">
+                <a:solidFill>
+                  <a:schemeClr val="tx1"/>
+                </a:solidFill>
+                <a:latin typeface="Fira Sans Condensed" panose="020B0503050000020004" pitchFamily="34" charset="0"/>
+                <a:cs typeface="Times New Roman" panose="02020603050405020304" pitchFamily="18" charset="0"/>
+              </a:rPr>
+              <a:t> удобный и практичный </a:t>
+            </a:r>
+            <a:r>
+              <a:rPr lang="ru-RU" sz="900" b="1" dirty="0">
+                <a:solidFill>
+                  <a:schemeClr val="tx1"/>
+                </a:solidFill>
+                <a:latin typeface="Fira Sans Condensed" panose="020B0503050000020004" pitchFamily="34" charset="0"/>
+                <a:cs typeface="Times New Roman" panose="02020603050405020304" pitchFamily="18" charset="0"/>
+              </a:rPr>
+              <a:t>интерфейс </a:t>
+            </a:r>
+            <a:r>
+              <a:rPr lang="ru-RU" sz="900" dirty="0">
+                <a:solidFill>
+                  <a:schemeClr val="tx1"/>
+                </a:solidFill>
+                <a:latin typeface="Fira Sans Condensed" panose="020B0503050000020004" pitchFamily="34" charset="0"/>
+                <a:cs typeface="Times New Roman" panose="02020603050405020304" pitchFamily="18" charset="0"/>
+              </a:rPr>
+              <a:t>для пользователя</a:t>
+            </a:r>
+            <a:r>
+              <a:rPr lang="en-US" sz="900" dirty="0">
+                <a:solidFill>
+                  <a:schemeClr val="tx1"/>
+                </a:solidFill>
+                <a:latin typeface="Fira Sans Condensed" panose="020B0503050000020004" pitchFamily="34" charset="0"/>
+                <a:cs typeface="Times New Roman" panose="02020603050405020304" pitchFamily="18" charset="0"/>
+              </a:rPr>
+              <a:t>;</a:t>
+            </a:r>
+            <a:endParaRPr lang="ru-RU" sz="900" dirty="0">
+              <a:solidFill>
+                <a:schemeClr val="tx1"/>
+              </a:solidFill>
+              <a:latin typeface="Fira Sans Condensed" panose="020B0503050000020004" pitchFamily="34" charset="0"/>
+              <a:cs typeface="Times New Roman" panose="02020603050405020304" pitchFamily="18" charset="0"/>
+            </a:endParaRPr>
+          </a:p>
+          <a:p>
+            <a:pPr marL="171450" lvl="0" indent="-171450" algn="just" rtl="0">
+              <a:lnSpc>
+                <a:spcPct val="150000"/>
+              </a:lnSpc>
+              <a:spcBef>
+                <a:spcPts val="0"/>
+              </a:spcBef>
+              <a:spcAft>
+                <a:spcPts val="0"/>
+              </a:spcAft>
+              <a:buFont typeface="Arial" panose="020B0604020202020204" pitchFamily="34" charset="0"/>
+              <a:buChar char="•"/>
+            </a:pPr>
+            <a:r>
+              <a:rPr lang="ru-RU" sz="900" dirty="0">
+                <a:latin typeface="Fira Sans Condensed" panose="020B0503050000020004" pitchFamily="34" charset="0"/>
+                <a:cs typeface="Times New Roman" panose="02020603050405020304" pitchFamily="18" charset="0"/>
+              </a:rPr>
+              <a:t>Интегрирована</a:t>
+            </a:r>
+            <a:r>
+              <a:rPr lang="ru-RU" sz="900" b="1" dirty="0">
+                <a:latin typeface="Fira Sans Condensed" panose="020B0503050000020004" pitchFamily="34" charset="0"/>
+                <a:cs typeface="Times New Roman" panose="02020603050405020304" pitchFamily="18" charset="0"/>
+              </a:rPr>
+              <a:t> система </a:t>
+            </a:r>
+            <a:r>
+              <a:rPr lang="ru-RU" sz="900" b="1" dirty="0">
+                <a:solidFill>
+                  <a:schemeClr val="tx1"/>
+                </a:solidFill>
+                <a:latin typeface="Fira Sans Condensed" panose="020B0503050000020004" pitchFamily="34" charset="0"/>
+                <a:cs typeface="Times New Roman" panose="02020603050405020304" pitchFamily="18" charset="0"/>
+              </a:rPr>
+              <a:t>рефлексии.</a:t>
+            </a:r>
+            <a:endParaRPr lang="ru-RU" sz="900" dirty="0">
+              <a:solidFill>
+                <a:schemeClr val="tx1"/>
+              </a:solidFill>
+              <a:latin typeface="Fira Sans Condensed" panose="020B0503050000020004" pitchFamily="34" charset="0"/>
+              <a:cs typeface="Times New Roman" panose="02020603050405020304" pitchFamily="18" charset="0"/>
+            </a:endParaRPr>
           </a:p>
         </p:txBody>
       </p:sp>
     </p:spTree>
     <p:extLst>
       <p:ext uri="{BB962C8B-B14F-4D97-AF65-F5344CB8AC3E}">
-        <p14:creationId xmlns:p14="http://schemas.microsoft.com/office/powerpoint/2010/main" val="3594058515"/>
+        <p14:creationId xmlns:p14="http://schemas.microsoft.com/office/powerpoint/2010/main" val="3390114394"/>
       </p:ext>
     </p:extLst>
   </p:cSld>
@@ -16921,7 +17700,7 @@
         <p:spPr>
           <a:xfrm>
             <a:off x="196936" y="763600"/>
-            <a:ext cx="4216227" cy="1781706"/>
+            <a:ext cx="4216227" cy="1653466"/>
           </a:xfrm>
           <a:prstGeom prst="rect">
             <a:avLst/>
@@ -16975,7 +17754,17 @@
                 <a:latin typeface="Fira Sans Condensed" panose="020B0503050000020004" pitchFamily="34" charset="0"/>
                 <a:cs typeface="Times New Roman" panose="02020603050405020304" pitchFamily="18" charset="0"/>
               </a:rPr>
-              <a:t>Разработка графического программного обеспечения для визуализации трехмерных объектов</a:t>
+              <a:t>Разработка графического программного обеспечения для визуализации трехмерных объектов на </a:t>
+            </a:r>
+            <a:r>
+              <a:rPr lang="en-US" sz="900" dirty="0">
+                <a:solidFill>
+                  <a:schemeClr val="tx1"/>
+                </a:solidFill>
+                <a:latin typeface="Fira Sans Condensed" panose="020B0503050000020004" pitchFamily="34" charset="0"/>
+                <a:cs typeface="Times New Roman" panose="02020603050405020304" pitchFamily="18" charset="0"/>
+              </a:rPr>
+              <a:t>OpenGL</a:t>
             </a:r>
             <a:r>
               <a:rPr lang="en-US" sz="900" dirty="0">
@@ -16994,9 +17783,6 @@
               <a:spcBef>
                 <a:spcPts val="0"/>
               </a:spcBef>
-              <a:spcAft>
-                <a:spcPts val="1000"/>
-              </a:spcAft>
               <a:buNone/>
             </a:pPr>
             <a:r>
@@ -17274,14 +18060,7 @@
                 <a:latin typeface="Fira Sans Condensed" panose="020B0503050000020004" pitchFamily="34" charset="0"/>
                 <a:cs typeface="Times New Roman" panose="02020603050405020304" pitchFamily="18" charset="0"/>
               </a:rPr>
-              <a:t>рефлексии</a:t>
-            </a:r>
-            <a:r>
-              <a:rPr lang="en-US" sz="900" dirty="0">
-                <a:latin typeface="Fira Sans Condensed" panose="020B0503050000020004" pitchFamily="34" charset="0"/>
-                <a:cs typeface="Times New Roman" panose="02020603050405020304" pitchFamily="18" charset="0"/>
-              </a:rPr>
-              <a:t>;</a:t>
+              <a:t>рефлексии.</a:t>
             </a:r>
             <a:endParaRPr lang="ru-RU" sz="900" dirty="0">
               <a:solidFill>
@@ -18105,16 +18884,6 @@
               <a:buChar char="•"/>
             </a:pPr>
             <a:r>
-              <a:rPr lang="ru-RU" sz="900" dirty="0" err="1">
-                <a:solidFill>
-                  <a:schemeClr val="tx1"/>
-                </a:solidFill>
-                <a:latin typeface="Fira Sans Condensed" panose="020B0503050000020004" pitchFamily="34" charset="0"/>
-                <a:cs typeface="Times New Roman" panose="02020603050405020304" pitchFamily="18" charset="0"/>
-              </a:rPr>
-              <a:t>Unreal</a:t>
-            </a:r>
-            <a:r>
               <a:rPr lang="ru-RU" sz="900" dirty="0">
                 <a:solidFill>
                   <a:schemeClr val="tx1"/>
@@ -18122,7 +18891,7 @@
                 <a:latin typeface="Fira Sans Condensed" panose="020B0503050000020004" pitchFamily="34" charset="0"/>
                 <a:cs typeface="Times New Roman" panose="02020603050405020304" pitchFamily="18" charset="0"/>
               </a:rPr>
-              <a:t> Engine</a:t>
+              <a:t>Unreal Engine;</a:t>
             </a:r>
           </a:p>
           <a:p>
@@ -18149,13 +18918,16 @@
               </a:rPr>
               <a:t>Unity</a:t>
             </a:r>
-            <a:endParaRPr lang="ru-RU" sz="900" dirty="0">
-              <a:solidFill>
-                <a:schemeClr val="tx1"/>
-              </a:solidFill>
-              <a:latin typeface="Fira Sans Condensed" panose="020B0503050000020004" pitchFamily="34" charset="0"/>
-              <a:cs typeface="Times New Roman" panose="02020603050405020304" pitchFamily="18" charset="0"/>
-            </a:endParaRPr>
+            <a:r>
+              <a:rPr lang="ru-RU" sz="900" dirty="0">
+                <a:solidFill>
+                  <a:schemeClr val="tx1"/>
+                </a:solidFill>
+                <a:latin typeface="Fira Sans Condensed" panose="020B0503050000020004" pitchFamily="34" charset="0"/>
+                <a:cs typeface="Times New Roman" panose="02020603050405020304" pitchFamily="18" charset="0"/>
+              </a:rPr>
+              <a:t>;</a:t>
+            </a:r>
           </a:p>
           <a:p>
             <a:pPr marL="171450" lvl="0" indent="-171450" algn="just" rtl="0">
@@ -18181,13 +18953,16 @@
               </a:rPr>
               <a:t>CryEngine</a:t>
             </a:r>
-            <a:endParaRPr lang="ru-RU" sz="900" dirty="0">
-              <a:solidFill>
-                <a:schemeClr val="tx1"/>
-              </a:solidFill>
-              <a:latin typeface="Fira Sans Condensed" panose="020B0503050000020004" pitchFamily="34" charset="0"/>
-              <a:cs typeface="Times New Roman" panose="02020603050405020304" pitchFamily="18" charset="0"/>
-            </a:endParaRPr>
+            <a:r>
+              <a:rPr lang="ru-RU" sz="900" dirty="0">
+                <a:solidFill>
+                  <a:schemeClr val="tx1"/>
+                </a:solidFill>
+                <a:latin typeface="Fira Sans Condensed" panose="020B0503050000020004" pitchFamily="34" charset="0"/>
+                <a:cs typeface="Times New Roman" panose="02020603050405020304" pitchFamily="18" charset="0"/>
+              </a:rPr>
+              <a:t>;</a:t>
+            </a:r>
           </a:p>
           <a:p>
             <a:pPr marL="171450" lvl="0" indent="-171450" algn="just" rtl="0">
@@ -18213,13 +18988,16 @@
               </a:rPr>
               <a:t>Godot</a:t>
             </a:r>
-            <a:endParaRPr lang="ru-RU" sz="900" dirty="0">
-              <a:solidFill>
-                <a:schemeClr val="tx1"/>
-              </a:solidFill>
-              <a:latin typeface="Fira Sans Condensed" panose="020B0503050000020004" pitchFamily="34" charset="0"/>
-              <a:cs typeface="Times New Roman" panose="02020603050405020304" pitchFamily="18" charset="0"/>
-            </a:endParaRPr>
+            <a:r>
+              <a:rPr lang="ru-RU" sz="900" dirty="0">
+                <a:solidFill>
+                  <a:schemeClr val="tx1"/>
+                </a:solidFill>
+                <a:latin typeface="Fira Sans Condensed" panose="020B0503050000020004" pitchFamily="34" charset="0"/>
+                <a:cs typeface="Times New Roman" panose="02020603050405020304" pitchFamily="18" charset="0"/>
+              </a:rPr>
+              <a:t>;</a:t>
+            </a:r>
           </a:p>
           <a:p>
             <a:pPr marL="171450" lvl="0" indent="-171450" algn="just" rtl="0">
@@ -18253,7 +19031,7 @@
                 <a:latin typeface="Fira Sans Condensed" panose="020B0503050000020004" pitchFamily="34" charset="0"/>
                 <a:cs typeface="Times New Roman" panose="02020603050405020304" pitchFamily="18" charset="0"/>
               </a:rPr>
-              <a:t> Engine</a:t>
+              <a:t> Engine.</a:t>
             </a:r>
           </a:p>
           <a:p>
@@ -18324,7 +19102,7 @@
                 <a:latin typeface="Fira Sans Condensed" panose="020B0503050000020004" pitchFamily="34" charset="0"/>
                 <a:cs typeface="Times New Roman" panose="02020603050405020304" pitchFamily="18" charset="0"/>
               </a:rPr>
-              <a:t>Отечественная разработка</a:t>
+              <a:t>Отечественная разработка;</a:t>
             </a:r>
           </a:p>
           <a:p>
@@ -18349,7 +19127,7 @@
                 <a:latin typeface="Fira Sans Condensed" panose="020B0503050000020004" pitchFamily="34" charset="0"/>
                 <a:cs typeface="Times New Roman" panose="02020603050405020304" pitchFamily="18" charset="0"/>
               </a:rPr>
-              <a:t>Импортозамещение</a:t>
+              <a:t>Импортозамещение;</a:t>
             </a:r>
             <a:endParaRPr lang="en-US" sz="900" dirty="0">
               <a:solidFill>
@@ -18378,7 +19156,7 @@
                 <a:latin typeface="Fira Sans Condensed" panose="020B0503050000020004" pitchFamily="34" charset="0"/>
                 <a:cs typeface="Times New Roman" panose="02020603050405020304" pitchFamily="18" charset="0"/>
               </a:rPr>
-              <a:t>Применим в рамках образовательных программ</a:t>
+              <a:t>Применим в рамках образовательных программ.</a:t>
             </a:r>
             <a:endParaRPr lang="ru-RU" sz="900" dirty="0">
               <a:solidFill>
@@ -18972,6 +19750,17 @@
               </a:rPr>
               <a:t>GLFW</a:t>
             </a:r>
+            <a:r>
+              <a:rPr lang="ru-RU" sz="900" b="1" dirty="0">
+                <a:latin typeface="Fira Sans Condensed" panose="020B0503050000020004" pitchFamily="34" charset="0"/>
+                <a:cs typeface="Times New Roman" panose="02020603050405020304" pitchFamily="18" charset="0"/>
+              </a:rPr>
+              <a:t>;</a:t>
+            </a:r>
+            <a:endParaRPr lang="en-US" sz="900" b="1" dirty="0">
+              <a:latin typeface="Fira Sans Condensed" panose="020B0503050000020004" pitchFamily="34" charset="0"/>
+              <a:cs typeface="Times New Roman" panose="02020603050405020304" pitchFamily="18" charset="0"/>
+            </a:endParaRPr>
           </a:p>
           <a:p>
             <a:pPr marL="228600" lvl="0" indent="-228600" algn="just" rtl="0">
@@ -19017,6 +19806,23 @@
               </a:rPr>
               <a:t>OpenGL</a:t>
             </a:r>
+            <a:r>
+              <a:rPr lang="ru-RU" sz="900" b="1" dirty="0">
+                <a:solidFill>
+                  <a:schemeClr val="tx1"/>
+                </a:solidFill>
+                <a:latin typeface="Fira Sans Condensed" panose="020B0503050000020004" pitchFamily="34" charset="0"/>
+                <a:cs typeface="Times New Roman" panose="02020603050405020304" pitchFamily="18" charset="0"/>
+              </a:rPr>
+              <a:t>;</a:t>
+            </a:r>
+            <a:endParaRPr lang="en-US" sz="900" b="1" dirty="0">
+              <a:solidFill>
+                <a:schemeClr val="tx1"/>
+              </a:solidFill>
+              <a:latin typeface="Fira Sans Condensed" panose="020B0503050000020004" pitchFamily="34" charset="0"/>
+              <a:cs typeface="Times New Roman" panose="02020603050405020304" pitchFamily="18" charset="0"/>
+            </a:endParaRPr>
           </a:p>
           <a:p>
             <a:pPr marL="228600" lvl="0" indent="-228600" algn="just" rtl="0">
@@ -19081,10 +19887,13 @@
               </a:rPr>
               <a:t>Assimp</a:t>
             </a:r>
-            <a:endParaRPr lang="ru-RU" sz="900" b="1" dirty="0">
-              <a:latin typeface="Fira Sans Condensed" panose="020B0503050000020004" pitchFamily="34" charset="0"/>
-              <a:cs typeface="Times New Roman" panose="02020603050405020304" pitchFamily="18" charset="0"/>
-            </a:endParaRPr>
+            <a:r>
+              <a:rPr lang="ru-RU" sz="900" b="1" dirty="0">
+                <a:latin typeface="Fira Sans Condensed" panose="020B0503050000020004" pitchFamily="34" charset="0"/>
+                <a:cs typeface="Times New Roman" panose="02020603050405020304" pitchFamily="18" charset="0"/>
+              </a:rPr>
+              <a:t>;</a:t>
+            </a:r>
           </a:p>
           <a:p>
             <a:pPr marL="228600" indent="-228600" algn="just">
@@ -19107,6 +19916,13 @@
                 <a:cs typeface="Times New Roman" panose="02020603050405020304" pitchFamily="18" charset="0"/>
               </a:rPr>
               <a:t>ImGUI</a:t>
+            </a:r>
+            <a:r>
+              <a:rPr lang="ru-RU" sz="900" b="1" dirty="0">
+                <a:latin typeface="Fira Sans Condensed" panose="020B0503050000020004" pitchFamily="34" charset="0"/>
+                <a:cs typeface="Times New Roman" panose="02020603050405020304" pitchFamily="18" charset="0"/>
+              </a:rPr>
+              <a:t>;</a:t>
             </a:r>
             <a:endParaRPr lang="en-US" sz="900" b="1" dirty="0">
               <a:latin typeface="Fira Sans Condensed" panose="020B0503050000020004" pitchFamily="34" charset="0"/>
@@ -19151,6 +19967,17 @@
               </a:rPr>
               <a:t>LLVM Clang</a:t>
             </a:r>
+            <a:r>
+              <a:rPr lang="ru-RU" sz="900" b="1" dirty="0">
+                <a:latin typeface="Fira Sans Condensed" panose="020B0503050000020004" pitchFamily="34" charset="0"/>
+                <a:cs typeface="Times New Roman" panose="02020603050405020304" pitchFamily="18" charset="0"/>
+              </a:rPr>
+              <a:t>.</a:t>
+            </a:r>
+            <a:endParaRPr lang="en-US" sz="900" b="1" dirty="0">
+              <a:latin typeface="Fira Sans Condensed" panose="020B0503050000020004" pitchFamily="34" charset="0"/>
+              <a:cs typeface="Times New Roman" panose="02020603050405020304" pitchFamily="18" charset="0"/>
+            </a:endParaRPr>
           </a:p>
         </p:txBody>
       </p:sp>
@@ -19168,7 +19995,7 @@
         </p:nvSpPr>
         <p:spPr>
           <a:xfrm>
-            <a:off x="2686050" y="3038496"/>
+            <a:off x="2669733" y="2981132"/>
             <a:ext cx="1590125" cy="307746"/>
           </a:xfrm>
           <a:prstGeom prst="rect">
@@ -19376,7 +20203,7 @@
         </p:nvSpPr>
         <p:spPr>
           <a:xfrm>
-            <a:off x="505521" y="3038496"/>
+            <a:off x="489204" y="2984065"/>
             <a:ext cx="1614325" cy="307746"/>
           </a:xfrm>
           <a:prstGeom prst="rect">
@@ -19956,27 +20783,7 @@
                 <a:latin typeface="Fira Sans Condensed" panose="020B0503050000020004" pitchFamily="34" charset="0"/>
                 <a:cs typeface="Times New Roman" panose="02020603050405020304" pitchFamily="18" charset="0"/>
               </a:rPr>
-              <a:t> необходимыми  </a:t>
-            </a:r>
-            <a:r>
-              <a:rPr lang="ru-RU" sz="900" dirty="0" err="1">
-                <a:solidFill>
-                  <a:schemeClr val="tx1"/>
-                </a:solidFill>
-                <a:latin typeface="Fira Sans Condensed" panose="020B0503050000020004" pitchFamily="34" charset="0"/>
-                <a:cs typeface="Times New Roman" panose="02020603050405020304" pitchFamily="18" charset="0"/>
-              </a:rPr>
-              <a:t>функциональностями</a:t>
-            </a:r>
-            <a:r>
-              <a:rPr lang="ru-RU" sz="900" dirty="0">
-                <a:solidFill>
-                  <a:schemeClr val="tx1"/>
-                </a:solidFill>
-                <a:latin typeface="Fira Sans Condensed" panose="020B0503050000020004" pitchFamily="34" charset="0"/>
-                <a:cs typeface="Times New Roman" panose="02020603050405020304" pitchFamily="18" charset="0"/>
-              </a:rPr>
-              <a:t> для работы с операционной системой. Данная библиотека позволяет создавать контекст, задавать параметры оконного приложения и обрабатывать пользовательский ввод.</a:t>
+              <a:t> необходимым  функционалом для работы с операционной системой. Данная библиотека позволяет создавать контекст, задавать параметры оконного приложения и обрабатывать пользовательский ввод.</a:t>
             </a:r>
             <a:endParaRPr lang="en-US" sz="900" dirty="0">
               <a:solidFill>
@@ -20839,7 +21646,7 @@
         </p:nvSpPr>
         <p:spPr>
           <a:xfrm>
-            <a:off x="323850" y="2812075"/>
+            <a:off x="548639" y="2804260"/>
             <a:ext cx="1752600" cy="307746"/>
           </a:xfrm>
           <a:prstGeom prst="rect">
@@ -20926,7 +21733,7 @@
         </p:nvSpPr>
         <p:spPr>
           <a:xfrm>
-            <a:off x="2609850" y="2812075"/>
+            <a:off x="2604902" y="2804260"/>
             <a:ext cx="1271018" cy="307746"/>
           </a:xfrm>
           <a:prstGeom prst="rect">
@@ -22441,7 +23248,7 @@
         </p:nvSpPr>
         <p:spPr>
           <a:xfrm>
-            <a:off x="826414" y="2996110"/>
+            <a:off x="826412" y="2819920"/>
             <a:ext cx="2957272" cy="307746"/>
           </a:xfrm>
           <a:prstGeom prst="rect">
